--- a/2. 1학년2학기/2. 산업빅데이터 분석 실제/10주차_과제_발표자료.pptx
+++ b/2. 1학년2학기/2. 산업빅데이터 분석 실제/10주차_과제_발표자료.pptx
@@ -1088,7 +1088,187 @@
           <a:bodyPr/>
           <a:lstStyle/>
           <a:p>
+            <a:pPr marL="0" marR="0" lvl="0" indent="0" algn="l" defTabSz="914400" rtl="0" eaLnBrk="0" fontAlgn="base" latinLnBrk="1" hangingPunct="0">
+              <a:lnSpc>
+                <a:spcPct val="100000"/>
+              </a:lnSpc>
+              <a:spcBef>
+                <a:spcPct val="30000"/>
+              </a:spcBef>
+              <a:spcAft>
+                <a:spcPct val="0"/>
+              </a:spcAft>
+              <a:buClrTx/>
+              <a:buSzTx/>
+              <a:buFontTx/>
+              <a:buNone/>
+              <a:tabLst/>
+              <a:defRPr/>
+            </a:pPr>
+            <a:r>
+              <a:rPr lang="en-US" altLang="ko-KR" dirty="0"/>
+              <a:t>- </a:t>
+            </a:r>
+            <a:r>
+              <a:rPr lang="ko-KR" altLang="en-US" dirty="0" err="1"/>
+              <a:t>랜덤포레스트</a:t>
+            </a:r>
+            <a:r>
+              <a:rPr lang="en-US" altLang="ko-KR" dirty="0"/>
+              <a:t>: </a:t>
+            </a:r>
+            <a:r>
+              <a:rPr lang="ko-KR" altLang="en-US" b="0" i="0" dirty="0">
+                <a:solidFill>
+                  <a:srgbClr val="161616"/>
+                </a:solidFill>
+                <a:effectLst/>
+                <a:latin typeface="IBM Plex Sans KR"/>
+              </a:rPr>
+              <a:t>하나의 결과에 도달하기 위해 여러 의사결정 트리의 출력을 결합</a:t>
+            </a:r>
             <a:endParaRPr lang="en-US" altLang="ko-KR" dirty="0"/>
+          </a:p>
+          <a:p>
+            <a:pPr marL="0" marR="0" lvl="0" indent="0" algn="l" defTabSz="914400" rtl="0" eaLnBrk="0" fontAlgn="base" latinLnBrk="1" hangingPunct="0">
+              <a:lnSpc>
+                <a:spcPct val="100000"/>
+              </a:lnSpc>
+              <a:spcBef>
+                <a:spcPct val="30000"/>
+              </a:spcBef>
+              <a:spcAft>
+                <a:spcPct val="0"/>
+              </a:spcAft>
+              <a:buClrTx/>
+              <a:buSzTx/>
+              <a:buFontTx/>
+              <a:buNone/>
+              <a:tabLst/>
+              <a:defRPr/>
+            </a:pPr>
+            <a:r>
+              <a:rPr lang="en-US" altLang="ko-KR" dirty="0"/>
+              <a:t>- </a:t>
+            </a:r>
+            <a:r>
+              <a:rPr lang="ko-KR" altLang="en-US" dirty="0" err="1"/>
+              <a:t>에이다부스트</a:t>
+            </a:r>
+            <a:r>
+              <a:rPr lang="en-US" altLang="ko-KR" dirty="0"/>
+              <a:t>: </a:t>
+            </a:r>
+            <a:r>
+              <a:rPr lang="ko-KR" altLang="en-US" b="0" i="0" dirty="0">
+                <a:solidFill>
+                  <a:srgbClr val="555555"/>
+                </a:solidFill>
+                <a:effectLst/>
+                <a:latin typeface="Spoqa Han Sans"/>
+              </a:rPr>
+              <a:t>약한 분류기</a:t>
+            </a:r>
+            <a:r>
+              <a:rPr lang="en-US" altLang="ko-KR" b="0" i="0" dirty="0">
+                <a:solidFill>
+                  <a:srgbClr val="555555"/>
+                </a:solidFill>
+                <a:effectLst/>
+                <a:latin typeface="Spoqa Han Sans"/>
+              </a:rPr>
+              <a:t>(weak classifier)</a:t>
+            </a:r>
+            <a:r>
+              <a:rPr lang="ko-KR" altLang="en-US" b="0" i="0" dirty="0">
+                <a:solidFill>
+                  <a:srgbClr val="555555"/>
+                </a:solidFill>
+                <a:effectLst/>
+                <a:latin typeface="Spoqa Han Sans"/>
+              </a:rPr>
+              <a:t>들이 상호보완 하도록 순차적</a:t>
+            </a:r>
+            <a:r>
+              <a:rPr lang="en-US" altLang="ko-KR" b="0" i="0" dirty="0">
+                <a:solidFill>
+                  <a:srgbClr val="555555"/>
+                </a:solidFill>
+                <a:effectLst/>
+                <a:latin typeface="Spoqa Han Sans"/>
+              </a:rPr>
+              <a:t>(sequential)</a:t>
+            </a:r>
+            <a:r>
+              <a:rPr lang="ko-KR" altLang="en-US" b="0" i="0" dirty="0">
+                <a:solidFill>
+                  <a:srgbClr val="555555"/>
+                </a:solidFill>
+                <a:effectLst/>
+                <a:latin typeface="Spoqa Han Sans"/>
+              </a:rPr>
+              <a:t>으로 학습하고</a:t>
+            </a:r>
+            <a:r>
+              <a:rPr lang="en-US" altLang="ko-KR" b="0" i="0" dirty="0">
+                <a:solidFill>
+                  <a:srgbClr val="555555"/>
+                </a:solidFill>
+                <a:effectLst/>
+                <a:latin typeface="Spoqa Han Sans"/>
+              </a:rPr>
+              <a:t>, </a:t>
+            </a:r>
+          </a:p>
+          <a:p>
+            <a:pPr marL="0" marR="0" lvl="0" indent="0" algn="l" defTabSz="914400" rtl="0" eaLnBrk="0" fontAlgn="base" latinLnBrk="1" hangingPunct="0">
+              <a:lnSpc>
+                <a:spcPct val="100000"/>
+              </a:lnSpc>
+              <a:spcBef>
+                <a:spcPct val="30000"/>
+              </a:spcBef>
+              <a:spcAft>
+                <a:spcPct val="0"/>
+              </a:spcAft>
+              <a:buClrTx/>
+              <a:buSzTx/>
+              <a:buFontTx/>
+              <a:buNone/>
+              <a:tabLst/>
+              <a:defRPr/>
+            </a:pPr>
+            <a:r>
+              <a:rPr lang="ko-KR" altLang="en-US" b="0" i="0" dirty="0">
+                <a:solidFill>
+                  <a:srgbClr val="555555"/>
+                </a:solidFill>
+                <a:effectLst/>
+                <a:latin typeface="Spoqa Han Sans"/>
+              </a:rPr>
+              <a:t>이들을 조합하여 최종적으로 강한 분류기</a:t>
+            </a:r>
+            <a:r>
+              <a:rPr lang="en-US" altLang="ko-KR" b="0" i="0" dirty="0">
+                <a:solidFill>
+                  <a:srgbClr val="555555"/>
+                </a:solidFill>
+                <a:effectLst/>
+                <a:latin typeface="Spoqa Han Sans"/>
+              </a:rPr>
+              <a:t>(strong classifier)</a:t>
+            </a:r>
+            <a:r>
+              <a:rPr lang="ko-KR" altLang="en-US" b="0" i="0" dirty="0">
+                <a:solidFill>
+                  <a:srgbClr val="555555"/>
+                </a:solidFill>
+                <a:effectLst/>
+                <a:latin typeface="Spoqa Han Sans"/>
+              </a:rPr>
+              <a:t>의 성능을 향상시키는 것</a:t>
+            </a:r>
+            <a:endParaRPr lang="ko-KR" altLang="en-US" dirty="0"/>
           </a:p>
         </p:txBody>
       </p:sp>
@@ -4458,7 +4638,7 @@
           <p:nvPr>
             <p:extLst>
               <p:ext uri="{D42A27DB-BD31-4B8C-83A1-F6EECF244321}">
-                <p14:modId xmlns:p14="http://schemas.microsoft.com/office/powerpoint/2010/main" val="2069424884"/>
+                <p14:modId xmlns:p14="http://schemas.microsoft.com/office/powerpoint/2010/main" val="1911005821"/>
               </p:ext>
             </p:extLst>
           </p:nvPr>
@@ -6531,7 +6711,7 @@
                           <a:latin typeface="휴먼명조" panose="02010504000101010101" pitchFamily="2" charset="-127"/>
                           <a:ea typeface="휴먼명조" panose="02010504000101010101" pitchFamily="2" charset="-127"/>
                         </a:rPr>
-                        <a:t>Data(X)</a:t>
+                        <a:t>Data(Y)</a:t>
                       </a:r>
                       <a:endParaRPr lang="ko-KR" altLang="en-US" sz="1600" b="1" kern="0" spc="0" dirty="0">
                         <a:solidFill>
